--- a/2048Game_C/2048_C.pptx
+++ b/2048Game_C/2048_C.pptx
@@ -5,7 +5,7 @@
     <p:sldMasterId id="2147483660" r:id="rId18"/>
   </p:sldMasterIdLst>
   <p:handoutMasterIdLst>
-    <p:handoutMasterId r:id="rId52"/>
+    <p:handoutMasterId r:id="rId53"/>
   </p:handoutMasterIdLst>
   <p:sldIdLst>
     <p:sldId id="258" r:id="rId19"/>
@@ -41,6 +41,7 @@
     <p:sldId id="302" r:id="rId49"/>
     <p:sldId id="304" r:id="rId50"/>
     <p:sldId id="261" r:id="rId51"/>
+    <p:sldId id="311" r:id="rId52"/>
   </p:sldIdLst>
   <p:sldSz cx="12192000" cy="6858000"/>
   <p:notesSz cx="9144000" cy="6858000"/>
@@ -240,7 +241,7 @@
           <a:p>
             <a:fld id="{FFE0D2D6-0230-4A20-8B5A-DCA1214A5EA8}" type="datetimeFigureOut">
               <a:rPr lang="ko-KR" altLang="en-US" smtClean="0"/>
-              <a:t>2023-02-06</a:t>
+              <a:t>2023-02-21</a:t>
             </a:fld>
             <a:endParaRPr lang="ko-KR" altLang="en-US"/>
           </a:p>
@@ -461,7 +462,7 @@
                 </a:solidFill>
               </a:rPr>
               <a:pPr/>
-              <a:t>2023-02-06</a:t>
+              <a:t>2023-02-21</a:t>
             </a:fld>
             <a:endParaRPr lang="ko-KR" altLang="en-US">
               <a:solidFill>
@@ -663,7 +664,7 @@
                 </a:solidFill>
               </a:rPr>
               <a:pPr/>
-              <a:t>2023-02-06</a:t>
+              <a:t>2023-02-21</a:t>
             </a:fld>
             <a:endParaRPr lang="ko-KR" altLang="en-US">
               <a:solidFill>
@@ -875,7 +876,7 @@
                 </a:solidFill>
               </a:rPr>
               <a:pPr/>
-              <a:t>2023-02-06</a:t>
+              <a:t>2023-02-21</a:t>
             </a:fld>
             <a:endParaRPr lang="ko-KR" altLang="en-US">
               <a:solidFill>
@@ -1077,7 +1078,7 @@
                 </a:solidFill>
               </a:rPr>
               <a:pPr/>
-              <a:t>2023-02-06</a:t>
+              <a:t>2023-02-21</a:t>
             </a:fld>
             <a:endParaRPr lang="ko-KR" altLang="en-US">
               <a:solidFill>
@@ -1355,7 +1356,7 @@
                 </a:solidFill>
               </a:rPr>
               <a:pPr/>
-              <a:t>2023-02-06</a:t>
+              <a:t>2023-02-21</a:t>
             </a:fld>
             <a:endParaRPr lang="ko-KR" altLang="en-US">
               <a:solidFill>
@@ -1619,7 +1620,7 @@
                 </a:solidFill>
               </a:rPr>
               <a:pPr/>
-              <a:t>2023-02-06</a:t>
+              <a:t>2023-02-21</a:t>
             </a:fld>
             <a:endParaRPr lang="ko-KR" altLang="en-US">
               <a:solidFill>
@@ -2018,7 +2019,7 @@
                 </a:solidFill>
               </a:rPr>
               <a:pPr/>
-              <a:t>2023-02-06</a:t>
+              <a:t>2023-02-21</a:t>
             </a:fld>
             <a:endParaRPr lang="ko-KR" altLang="en-US">
               <a:solidFill>
@@ -2168,7 +2169,7 @@
                 </a:solidFill>
               </a:rPr>
               <a:pPr/>
-              <a:t>2023-02-06</a:t>
+              <a:t>2023-02-21</a:t>
             </a:fld>
             <a:endParaRPr lang="ko-KR" altLang="en-US">
               <a:solidFill>
@@ -2295,7 +2296,7 @@
                 </a:solidFill>
               </a:rPr>
               <a:pPr/>
-              <a:t>2023-02-06</a:t>
+              <a:t>2023-02-21</a:t>
             </a:fld>
             <a:endParaRPr lang="ko-KR" altLang="en-US">
               <a:solidFill>
@@ -2604,7 +2605,7 @@
                 </a:solidFill>
               </a:rPr>
               <a:pPr/>
-              <a:t>2023-02-06</a:t>
+              <a:t>2023-02-21</a:t>
             </a:fld>
             <a:endParaRPr lang="ko-KR" altLang="en-US">
               <a:solidFill>
@@ -2889,7 +2890,7 @@
                 </a:solidFill>
               </a:rPr>
               <a:pPr/>
-              <a:t>2023-02-06</a:t>
+              <a:t>2023-02-21</a:t>
             </a:fld>
             <a:endParaRPr lang="ko-KR" altLang="en-US">
               <a:solidFill>
@@ -3134,7 +3135,7 @@
                 </a:solidFill>
               </a:rPr>
               <a:pPr/>
-              <a:t>2023-02-06</a:t>
+              <a:t>2023-02-21</a:t>
             </a:fld>
             <a:endParaRPr lang="ko-KR" altLang="en-US">
               <a:solidFill>
@@ -23295,7 +23296,7 @@
         <p:spPr>
           <a:xfrm>
             <a:off x="3568115" y="2534309"/>
-            <a:ext cx="6464885" cy="45719"/>
+            <a:ext cx="6964110" cy="45719"/>
           </a:xfrm>
           <a:prstGeom prst="rect">
             <a:avLst/>
@@ -23457,14 +23458,14 @@
           <p:nvPr>
             <p:extLst>
               <p:ext uri="{D42A27DB-BD31-4B8C-83A1-F6EECF244321}">
-                <p14:modId xmlns:p14="http://schemas.microsoft.com/office/powerpoint/2010/main" val="794145207"/>
+                <p14:modId xmlns:p14="http://schemas.microsoft.com/office/powerpoint/2010/main" val="1612881676"/>
               </p:ext>
             </p:extLst>
           </p:nvPr>
         </p:nvGraphicFramePr>
         <p:xfrm>
-          <a:off x="9720360" y="2580028"/>
-          <a:ext cx="625280" cy="645160"/>
+          <a:off x="10163699" y="2580028"/>
+          <a:ext cx="737052" cy="645160"/>
         </p:xfrm>
         <a:graphic>
           <a:graphicData uri="http://schemas.openxmlformats.org/drawingml/2006/table">
@@ -23473,14 +23474,14 @@
                 <a:tableStyleId>{5C22544A-7EE6-4342-B048-85BDC9FD1C3A}</a:tableStyleId>
               </a:tblPr>
               <a:tblGrid>
-                <a:gridCol w="312640">
+                <a:gridCol w="368527">
                   <a:extLst>
                     <a:ext uri="{9D8B030D-6E8A-4147-A177-3AD203B41FA5}">
                       <a16:colId xmlns:a16="http://schemas.microsoft.com/office/drawing/2014/main" val="20000"/>
                     </a:ext>
                   </a:extLst>
                 </a:gridCol>
-                <a:gridCol w="312640">
+                <a:gridCol w="368525">
                   <a:extLst>
                     <a:ext uri="{9D8B030D-6E8A-4147-A177-3AD203B41FA5}">
                       <a16:colId xmlns:a16="http://schemas.microsoft.com/office/drawing/2014/main" val="20001"/>
@@ -23607,7 +23608,18 @@
                             </a:schemeClr>
                           </a:solidFill>
                         </a:rPr>
-                        <a:t>80%</a:t>
+                        <a:t>90</a:t>
+                      </a:r>
+                      <a:r>
+                        <a:rPr lang="en-US" altLang="ko-KR" sz="1600" b="1" dirty="0" smtClean="0">
+                          <a:solidFill>
+                            <a:schemeClr val="tx1">
+                              <a:lumMod val="75000"/>
+                              <a:lumOff val="25000"/>
+                            </a:schemeClr>
+                          </a:solidFill>
+                        </a:rPr>
+                        <a:t>%</a:t>
                       </a:r>
                       <a:endParaRPr lang="ko-KR" altLang="en-US" sz="1600" b="1" dirty="0">
                         <a:solidFill>
@@ -23939,13 +23951,13 @@
           <p:nvPr>
             <p:extLst>
               <p:ext uri="{D42A27DB-BD31-4B8C-83A1-F6EECF244321}">
-                <p14:modId xmlns:p14="http://schemas.microsoft.com/office/powerpoint/2010/main" val="3295389119"/>
+                <p14:modId xmlns:p14="http://schemas.microsoft.com/office/powerpoint/2010/main" val="3078031886"/>
               </p:ext>
             </p:extLst>
           </p:nvPr>
         </p:nvGraphicFramePr>
         <p:xfrm>
-          <a:off x="9674642" y="4205628"/>
+          <a:off x="10219585" y="4205628"/>
           <a:ext cx="625280" cy="637689"/>
         </p:xfrm>
         <a:graphic>
@@ -24089,7 +24101,18 @@
                             </a:schemeClr>
                           </a:solidFill>
                         </a:rPr>
-                        <a:t>80%</a:t>
+                        <a:t>90</a:t>
+                      </a:r>
+                      <a:r>
+                        <a:rPr lang="en-US" altLang="ko-KR" sz="1600" b="1" dirty="0" smtClean="0">
+                          <a:solidFill>
+                            <a:schemeClr val="tx1">
+                              <a:lumMod val="75000"/>
+                              <a:lumOff val="25000"/>
+                            </a:schemeClr>
+                          </a:solidFill>
+                        </a:rPr>
+                        <a:t>%</a:t>
                       </a:r>
                       <a:endParaRPr lang="ko-KR" altLang="en-US" sz="1600" b="1" dirty="0">
                         <a:solidFill>
@@ -24394,7 +24417,7 @@
         <p:spPr>
           <a:xfrm>
             <a:off x="3522397" y="4152775"/>
-            <a:ext cx="6464885" cy="45719"/>
+            <a:ext cx="7009828" cy="49573"/>
           </a:xfrm>
           <a:prstGeom prst="rect">
             <a:avLst/>
@@ -24444,13 +24467,13 @@
           <p:nvPr>
             <p:extLst>
               <p:ext uri="{D42A27DB-BD31-4B8C-83A1-F6EECF244321}">
-                <p14:modId xmlns:p14="http://schemas.microsoft.com/office/powerpoint/2010/main" val="4250214118"/>
+                <p14:modId xmlns:p14="http://schemas.microsoft.com/office/powerpoint/2010/main" val="2667769485"/>
               </p:ext>
             </p:extLst>
           </p:nvPr>
         </p:nvGraphicFramePr>
         <p:xfrm>
-          <a:off x="9720361" y="5880882"/>
+          <a:off x="10219585" y="5879373"/>
           <a:ext cx="625280" cy="637689"/>
         </p:xfrm>
         <a:graphic>
@@ -24594,7 +24617,18 @@
                             </a:schemeClr>
                           </a:solidFill>
                         </a:rPr>
-                        <a:t>80%</a:t>
+                        <a:t>90</a:t>
+                      </a:r>
+                      <a:r>
+                        <a:rPr lang="en-US" altLang="ko-KR" sz="1600" b="1" dirty="0" smtClean="0">
+                          <a:solidFill>
+                            <a:schemeClr val="tx1">
+                              <a:lumMod val="75000"/>
+                              <a:lumOff val="25000"/>
+                            </a:schemeClr>
+                          </a:solidFill>
+                        </a:rPr>
+                        <a:t>%</a:t>
                       </a:r>
                       <a:endParaRPr lang="ko-KR" altLang="en-US" sz="1600" b="1" dirty="0">
                         <a:solidFill>
@@ -24660,7 +24694,7 @@
         <p:spPr>
           <a:xfrm>
             <a:off x="3568116" y="5828029"/>
-            <a:ext cx="6464885" cy="45719"/>
+            <a:ext cx="6964109" cy="51344"/>
           </a:xfrm>
           <a:prstGeom prst="rect">
             <a:avLst/>
@@ -24837,6 +24871,133 @@
     <p:bldLst>
       <p:bldP spid="46" grpId="0" animBg="1"/>
     </p:bldLst>
+  </p:timing>
+</p:sld>
+</file>
+
+<file path=ppt/slides/slide34.xml><?xml version="1.0" encoding="utf-8"?>
+<p:sld xmlns:a="http://schemas.openxmlformats.org/drawingml/2006/main" xmlns:r="http://schemas.openxmlformats.org/officeDocument/2006/relationships" xmlns:p="http://schemas.openxmlformats.org/presentationml/2006/main">
+  <p:cSld>
+    <p:spTree>
+      <p:nvGrpSpPr>
+        <p:cNvPr id="1" name=""/>
+        <p:cNvGrpSpPr/>
+        <p:nvPr/>
+      </p:nvGrpSpPr>
+      <p:grpSpPr>
+        <a:xfrm>
+          <a:off x="0" y="0"/>
+          <a:ext cx="0" cy="0"/>
+          <a:chOff x="0" y="0"/>
+          <a:chExt cx="0" cy="0"/>
+        </a:xfrm>
+      </p:grpSpPr>
+      <p:sp>
+        <p:nvSpPr>
+          <p:cNvPr id="42" name="양쪽 모서리가 둥근 사각형 41"/>
+          <p:cNvSpPr/>
+          <p:nvPr/>
+        </p:nvSpPr>
+        <p:spPr>
+          <a:xfrm>
+            <a:off x="3748323" y="2541616"/>
+            <a:ext cx="4541466" cy="1439913"/>
+          </a:xfrm>
+          <a:prstGeom prst="round2SameRect">
+            <a:avLst>
+              <a:gd name="adj1" fmla="val 13667"/>
+              <a:gd name="adj2" fmla="val 0"/>
+            </a:avLst>
+          </a:prstGeom>
+          <a:solidFill>
+            <a:schemeClr val="bg1"/>
+          </a:solidFill>
+          <a:ln>
+            <a:noFill/>
+          </a:ln>
+          <a:effectLst>
+            <a:outerShdw blurRad="1257300" dist="38100" dir="16200000" sx="79000" sy="79000" rotWithShape="0">
+              <a:prstClr val="black">
+                <a:alpha val="40000"/>
+              </a:prstClr>
+            </a:outerShdw>
+          </a:effectLst>
+        </p:spPr>
+        <p:style>
+          <a:lnRef idx="2">
+            <a:schemeClr val="accent1">
+              <a:shade val="50000"/>
+            </a:schemeClr>
+          </a:lnRef>
+          <a:fillRef idx="1">
+            <a:schemeClr val="accent1"/>
+          </a:fillRef>
+          <a:effectRef idx="0">
+            <a:schemeClr val="accent1"/>
+          </a:effectRef>
+          <a:fontRef idx="minor">
+            <a:schemeClr val="lt1"/>
+          </a:fontRef>
+        </p:style>
+        <p:txBody>
+          <a:bodyPr rtlCol="0" anchor="ctr"/>
+          <a:lstStyle/>
+          <a:p>
+            <a:pPr algn="ctr" latinLnBrk="0">
+              <a:lnSpc>
+                <a:spcPct val="150000"/>
+              </a:lnSpc>
+              <a:defRPr/>
+            </a:pPr>
+            <a:r>
+              <a:rPr lang="ko-KR" altLang="en-US" sz="3000" b="1" kern="0" dirty="0" smtClean="0">
+                <a:solidFill>
+                  <a:prstClr val="black">
+                    <a:lumMod val="65000"/>
+                    <a:lumOff val="35000"/>
+                  </a:prstClr>
+                </a:solidFill>
+              </a:rPr>
+              <a:t>감사합니다</a:t>
+            </a:r>
+            <a:r>
+              <a:rPr lang="en-US" altLang="ko-KR" sz="3000" b="1" kern="0" dirty="0" smtClean="0">
+                <a:solidFill>
+                  <a:prstClr val="black">
+                    <a:lumMod val="65000"/>
+                    <a:lumOff val="35000"/>
+                  </a:prstClr>
+                </a:solidFill>
+              </a:rPr>
+              <a:t>.</a:t>
+            </a:r>
+            <a:endParaRPr lang="en-US" altLang="ko-KR" sz="3000" b="1" kern="0" dirty="0">
+              <a:solidFill>
+                <a:prstClr val="black">
+                  <a:lumMod val="65000"/>
+                  <a:lumOff val="35000"/>
+                </a:prstClr>
+              </a:solidFill>
+            </a:endParaRPr>
+          </a:p>
+        </p:txBody>
+      </p:sp>
+    </p:spTree>
+    <p:extLst>
+      <p:ext uri="{BB962C8B-B14F-4D97-AF65-F5344CB8AC3E}">
+        <p14:creationId xmlns:p14="http://schemas.microsoft.com/office/powerpoint/2010/main" val="558450255"/>
+      </p:ext>
+    </p:extLst>
+  </p:cSld>
+  <p:clrMapOvr>
+    <a:masterClrMapping/>
+  </p:clrMapOvr>
+  <p:timing>
+    <p:tnLst>
+      <p:par>
+        <p:cTn id="1" dur="indefinite" restart="never" nodeType="tmRoot"/>
+      </p:par>
+    </p:tnLst>
   </p:timing>
 </p:sld>
 </file>
@@ -33007,13 +33168,13 @@
 
 <file path=customXml/item10.xml><?xml version="1.0" encoding="utf-8"?>
 <Control xmlns="http://schemas.microsoft.com/VisualStudio/2011/storyboarding/control">
-  <Id Name="System.Storyboarding.Backgrounds.StartScreen" Revision="1" Stencil="System.Storyboarding.Backgrounds" StencilVersion="0.1"/>
+  <Id Name="System.Storyboarding.WindowsPhone.Tile" Revision="1" Stencil="System.Storyboarding.WindowsPhone" StencilVersion="0.1"/>
 </Control>
 </file>
 
 <file path=customXml/item11.xml><?xml version="1.0" encoding="utf-8"?>
 <Control xmlns="http://schemas.microsoft.com/VisualStudio/2011/storyboarding/control">
-  <Id Name="System.Storyboarding.WindowsPhone.Tile" Revision="1" Stencil="System.Storyboarding.WindowsPhone" StencilVersion="0.1"/>
+  <Id Name="System.Storyboarding.WindowsPhone.WideTile" Revision="1" Stencil="System.Storyboarding.WindowsPhone" StencilVersion="0.1"/>
 </Control>
 </file>
 
@@ -33025,7 +33186,7 @@
 
 <file path=customXml/item13.xml><?xml version="1.0" encoding="utf-8"?>
 <Control xmlns="http://schemas.microsoft.com/VisualStudio/2011/storyboarding/control">
-  <Id Name="System.Storyboarding.WindowsPhone.Tile" Revision="1" Stencil="System.Storyboarding.WindowsPhone" StencilVersion="0.1"/>
+  <Id Name="System.Storyboarding.WindowsPhone.WideTile" Revision="1" Stencil="System.Storyboarding.WindowsPhone" StencilVersion="0.1"/>
 </Control>
 </file>
 
@@ -33037,19 +33198,19 @@
 
 <file path=customXml/item15.xml><?xml version="1.0" encoding="utf-8"?>
 <Control xmlns="http://schemas.microsoft.com/VisualStudio/2011/storyboarding/control">
-  <Id Name="System.Storyboarding.Icons.User" Revision="1" Stencil="System.Storyboarding.Icons" StencilVersion="0.1"/>
+  <Id Name="System.Storyboarding.Common.Text" Revision="1" Stencil="System.Storyboarding.Common" StencilVersion="0.1"/>
 </Control>
 </file>
 
 <file path=customXml/item16.xml><?xml version="1.0" encoding="utf-8"?>
 <Control xmlns="http://schemas.microsoft.com/VisualStudio/2011/storyboarding/control">
-  <Id Name="System.Storyboarding.WindowsPhone.Tile" Revision="1" Stencil="System.Storyboarding.WindowsPhone" StencilVersion="0.1"/>
+  <Id Name="System.Storyboarding.Icons.User" Revision="1" Stencil="System.Storyboarding.Icons" StencilVersion="0.1"/>
 </Control>
 </file>
 
 <file path=customXml/item17.xml><?xml version="1.0" encoding="utf-8"?>
 <Control xmlns="http://schemas.microsoft.com/VisualStudio/2011/storyboarding/control">
-  <Id Name="System.Storyboarding.WindowsPhone.WideTile" Revision="1" Stencil="System.Storyboarding.WindowsPhone" StencilVersion="0.1"/>
+  <Id Name="System.Storyboarding.WindowsPhone.Tile" Revision="1" Stencil="System.Storyboarding.WindowsPhone" StencilVersion="0.1"/>
 </Control>
 </file>
 
@@ -33061,7 +33222,7 @@
 
 <file path=customXml/item3.xml><?xml version="1.0" encoding="utf-8"?>
 <Control xmlns="http://schemas.microsoft.com/VisualStudio/2011/storyboarding/control">
-  <Id Name="System.Storyboarding.WindowsPhone.WideTile" Revision="1" Stencil="System.Storyboarding.WindowsPhone" StencilVersion="0.1"/>
+  <Id Name="System.Storyboarding.WindowsPhone.Tile" Revision="1" Stencil="System.Storyboarding.WindowsPhone" StencilVersion="0.1"/>
 </Control>
 </file>
 
@@ -33079,7 +33240,7 @@
 
 <file path=customXml/item6.xml><?xml version="1.0" encoding="utf-8"?>
 <Control xmlns="http://schemas.microsoft.com/VisualStudio/2011/storyboarding/control">
-  <Id Name="System.Storyboarding.Common.Text" Revision="1" Stencil="System.Storyboarding.Common" StencilVersion="0.1"/>
+  <Id Name="System.Storyboarding.Backgrounds.StartScreen" Revision="1" Stencil="System.Storyboarding.Backgrounds" StencilVersion="0.1"/>
 </Control>
 </file>
 
@@ -33091,18 +33252,18 @@
 
 <file path=customXml/item8.xml><?xml version="1.0" encoding="utf-8"?>
 <Control xmlns="http://schemas.microsoft.com/VisualStudio/2011/storyboarding/control">
-  <Id Name="System.Storyboarding.WindowsPhone.Tile" Revision="1" Stencil="System.Storyboarding.WindowsPhone" StencilVersion="0.1"/>
+  <Id Name="System.Storyboarding.WindowsPhone.WideTile" Revision="1" Stencil="System.Storyboarding.WindowsPhone" StencilVersion="0.1"/>
 </Control>
 </file>
 
 <file path=customXml/item9.xml><?xml version="1.0" encoding="utf-8"?>
 <Control xmlns="http://schemas.microsoft.com/VisualStudio/2011/storyboarding/control">
-  <Id Name="System.Storyboarding.WindowsPhone.WideTile" Revision="1" Stencil="System.Storyboarding.WindowsPhone" StencilVersion="0.1"/>
+  <Id Name="System.Storyboarding.WindowsPhone.Tile" Revision="1" Stencil="System.Storyboarding.WindowsPhone" StencilVersion="0.1"/>
 </Control>
 </file>
 
 <file path=customXml/itemProps1.xml><?xml version="1.0" encoding="utf-8"?>
-<ds:datastoreItem xmlns:ds="http://schemas.openxmlformats.org/officeDocument/2006/customXml" ds:itemID="{D6BC3CEB-23AA-4EFB-BE77-189F3C52C73A}">
+<ds:datastoreItem xmlns:ds="http://schemas.openxmlformats.org/officeDocument/2006/customXml" ds:itemID="{0A7291C9-34D0-40CC-B94E-6FAB51FFCAE6}">
   <ds:schemaRefs>
     <ds:schemaRef ds:uri="http://schemas.microsoft.com/VisualStudio/2011/storyboarding/control"/>
   </ds:schemaRefs>
@@ -33110,7 +33271,7 @@
 </file>
 
 <file path=customXml/itemProps10.xml><?xml version="1.0" encoding="utf-8"?>
-<ds:datastoreItem xmlns:ds="http://schemas.openxmlformats.org/officeDocument/2006/customXml" ds:itemID="{5FDEF2E4-4BA4-49B2-A8CE-2A7308E2973F}">
+<ds:datastoreItem xmlns:ds="http://schemas.openxmlformats.org/officeDocument/2006/customXml" ds:itemID="{7FA4EA69-BF10-4B5F-9490-2D125D3B9A35}">
   <ds:schemaRefs>
     <ds:schemaRef ds:uri="http://schemas.microsoft.com/VisualStudio/2011/storyboarding/control"/>
   </ds:schemaRefs>
@@ -33118,7 +33279,7 @@
 </file>
 
 <file path=customXml/itemProps11.xml><?xml version="1.0" encoding="utf-8"?>
-<ds:datastoreItem xmlns:ds="http://schemas.openxmlformats.org/officeDocument/2006/customXml" ds:itemID="{33904F28-AB4C-43A7-832A-E46884ECCDA1}">
+<ds:datastoreItem xmlns:ds="http://schemas.openxmlformats.org/officeDocument/2006/customXml" ds:itemID="{8FAFD793-53C5-4D62-831F-8DBAF6247AF0}">
   <ds:schemaRefs>
     <ds:schemaRef ds:uri="http://schemas.microsoft.com/VisualStudio/2011/storyboarding/control"/>
   </ds:schemaRefs>
@@ -33134,7 +33295,7 @@
 </file>
 
 <file path=customXml/itemProps13.xml><?xml version="1.0" encoding="utf-8"?>
-<ds:datastoreItem xmlns:ds="http://schemas.openxmlformats.org/officeDocument/2006/customXml" ds:itemID="{02956004-CE65-4FA3-963C-9F56967A6608}">
+<ds:datastoreItem xmlns:ds="http://schemas.openxmlformats.org/officeDocument/2006/customXml" ds:itemID="{D1298F4E-44EC-4C34-8C37-0F21546CF3E1}">
   <ds:schemaRefs>
     <ds:schemaRef ds:uri="http://schemas.microsoft.com/VisualStudio/2011/storyboarding/control"/>
   </ds:schemaRefs>
@@ -33142,7 +33303,7 @@
 </file>
 
 <file path=customXml/itemProps14.xml><?xml version="1.0" encoding="utf-8"?>
-<ds:datastoreItem xmlns:ds="http://schemas.openxmlformats.org/officeDocument/2006/customXml" ds:itemID="{D86D145C-1222-4460-9018-08D94F67B4A9}">
+<ds:datastoreItem xmlns:ds="http://schemas.openxmlformats.org/officeDocument/2006/customXml" ds:itemID="{D6BC3CEB-23AA-4EFB-BE77-189F3C52C73A}">
   <ds:schemaRefs>
     <ds:schemaRef ds:uri="http://schemas.microsoft.com/VisualStudio/2011/storyboarding/control"/>
   </ds:schemaRefs>
@@ -33150,6 +33311,14 @@
 </file>
 
 <file path=customXml/itemProps15.xml><?xml version="1.0" encoding="utf-8"?>
+<ds:datastoreItem xmlns:ds="http://schemas.openxmlformats.org/officeDocument/2006/customXml" ds:itemID="{C027EEB3-868C-4790-BCE8-2BA9BC75A160}">
+  <ds:schemaRefs>
+    <ds:schemaRef ds:uri="http://schemas.microsoft.com/VisualStudio/2011/storyboarding/control"/>
+  </ds:schemaRefs>
+</ds:datastoreItem>
+</file>
+
+<file path=customXml/itemProps16.xml><?xml version="1.0" encoding="utf-8"?>
 <ds:datastoreItem xmlns:ds="http://schemas.openxmlformats.org/officeDocument/2006/customXml" ds:itemID="{2B706389-C5EA-48E2-AF53-2B3D95F50B57}">
   <ds:schemaRefs>
     <ds:schemaRef ds:uri="http://schemas.microsoft.com/VisualStudio/2011/storyboarding/control"/>
@@ -33157,16 +33326,8 @@
 </ds:datastoreItem>
 </file>
 
-<file path=customXml/itemProps16.xml><?xml version="1.0" encoding="utf-8"?>
-<ds:datastoreItem xmlns:ds="http://schemas.openxmlformats.org/officeDocument/2006/customXml" ds:itemID="{6D74F60B-64B2-43F0-8E37-E317871CD4D2}">
-  <ds:schemaRefs>
-    <ds:schemaRef ds:uri="http://schemas.microsoft.com/VisualStudio/2011/storyboarding/control"/>
-  </ds:schemaRefs>
-</ds:datastoreItem>
-</file>
-
 <file path=customXml/itemProps17.xml><?xml version="1.0" encoding="utf-8"?>
-<ds:datastoreItem xmlns:ds="http://schemas.openxmlformats.org/officeDocument/2006/customXml" ds:itemID="{D1298F4E-44EC-4C34-8C37-0F21546CF3E1}">
+<ds:datastoreItem xmlns:ds="http://schemas.openxmlformats.org/officeDocument/2006/customXml" ds:itemID="{02956004-CE65-4FA3-963C-9F56967A6608}">
   <ds:schemaRefs>
     <ds:schemaRef ds:uri="http://schemas.microsoft.com/VisualStudio/2011/storyboarding/control"/>
   </ds:schemaRefs>
@@ -33182,7 +33343,7 @@
 </file>
 
 <file path=customXml/itemProps3.xml><?xml version="1.0" encoding="utf-8"?>
-<ds:datastoreItem xmlns:ds="http://schemas.openxmlformats.org/officeDocument/2006/customXml" ds:itemID="{8FAFD793-53C5-4D62-831F-8DBAF6247AF0}">
+<ds:datastoreItem xmlns:ds="http://schemas.openxmlformats.org/officeDocument/2006/customXml" ds:itemID="{6D74F60B-64B2-43F0-8E37-E317871CD4D2}">
   <ds:schemaRefs>
     <ds:schemaRef ds:uri="http://schemas.microsoft.com/VisualStudio/2011/storyboarding/control"/>
   </ds:schemaRefs>
@@ -33190,7 +33351,7 @@
 </file>
 
 <file path=customXml/itemProps4.xml><?xml version="1.0" encoding="utf-8"?>
-<ds:datastoreItem xmlns:ds="http://schemas.openxmlformats.org/officeDocument/2006/customXml" ds:itemID="{BD372072-D9E4-4AD7-A86C-2BBCDAF929F8}">
+<ds:datastoreItem xmlns:ds="http://schemas.openxmlformats.org/officeDocument/2006/customXml" ds:itemID="{33904F28-AB4C-43A7-832A-E46884ECCDA1}">
   <ds:schemaRefs>
     <ds:schemaRef ds:uri="http://schemas.microsoft.com/VisualStudio/2011/storyboarding/control"/>
   </ds:schemaRefs>
@@ -33206,7 +33367,7 @@
 </file>
 
 <file path=customXml/itemProps6.xml><?xml version="1.0" encoding="utf-8"?>
-<ds:datastoreItem xmlns:ds="http://schemas.openxmlformats.org/officeDocument/2006/customXml" ds:itemID="{C027EEB3-868C-4790-BCE8-2BA9BC75A160}">
+<ds:datastoreItem xmlns:ds="http://schemas.openxmlformats.org/officeDocument/2006/customXml" ds:itemID="{5FDEF2E4-4BA4-49B2-A8CE-2A7308E2973F}">
   <ds:schemaRefs>
     <ds:schemaRef ds:uri="http://schemas.microsoft.com/VisualStudio/2011/storyboarding/control"/>
   </ds:schemaRefs>
@@ -33214,7 +33375,7 @@
 </file>
 
 <file path=customXml/itemProps7.xml><?xml version="1.0" encoding="utf-8"?>
-<ds:datastoreItem xmlns:ds="http://schemas.openxmlformats.org/officeDocument/2006/customXml" ds:itemID="{0A7291C9-34D0-40CC-B94E-6FAB51FFCAE6}">
+<ds:datastoreItem xmlns:ds="http://schemas.openxmlformats.org/officeDocument/2006/customXml" ds:itemID="{BD372072-D9E4-4AD7-A86C-2BBCDAF929F8}">
   <ds:schemaRefs>
     <ds:schemaRef ds:uri="http://schemas.microsoft.com/VisualStudio/2011/storyboarding/control"/>
   </ds:schemaRefs>
@@ -33222,7 +33383,7 @@
 </file>
 
 <file path=customXml/itemProps8.xml><?xml version="1.0" encoding="utf-8"?>
-<ds:datastoreItem xmlns:ds="http://schemas.openxmlformats.org/officeDocument/2006/customXml" ds:itemID="{7FA4EA69-BF10-4B5F-9490-2D125D3B9A35}">
+<ds:datastoreItem xmlns:ds="http://schemas.openxmlformats.org/officeDocument/2006/customXml" ds:itemID="{C5EE62EA-D252-4597-AAA5-4C56239241DE}">
   <ds:schemaRefs>
     <ds:schemaRef ds:uri="http://schemas.microsoft.com/VisualStudio/2011/storyboarding/control"/>
   </ds:schemaRefs>
@@ -33230,7 +33391,7 @@
 </file>
 
 <file path=customXml/itemProps9.xml><?xml version="1.0" encoding="utf-8"?>
-<ds:datastoreItem xmlns:ds="http://schemas.openxmlformats.org/officeDocument/2006/customXml" ds:itemID="{C5EE62EA-D252-4597-AAA5-4C56239241DE}">
+<ds:datastoreItem xmlns:ds="http://schemas.openxmlformats.org/officeDocument/2006/customXml" ds:itemID="{D86D145C-1222-4460-9018-08D94F67B4A9}">
   <ds:schemaRefs>
     <ds:schemaRef ds:uri="http://schemas.microsoft.com/VisualStudio/2011/storyboarding/control"/>
   </ds:schemaRefs>
